--- a/01_Organisation/02_Meilensteine/m3/M3_Elekt.pptx
+++ b/01_Organisation/02_Meilensteine/m3/M3_Elekt.pptx
@@ -211,7 +211,7 @@
           <a:p>
             <a:fld id="{056AEFA0-306F-4413-9CBC-3BA55C168B73}" type="datetimeFigureOut">
               <a:rPr lang="de-CH" smtClean="0"/>
-              <a:t>01.05.18</a:t>
+              <a:t>08.05.18</a:t>
             </a:fld>
             <a:endParaRPr lang="de-CH"/>
           </a:p>
@@ -862,7 +862,7 @@
           <a:p>
             <a:fld id="{20FD5246-4265-435A-B901-A38BFD400D8A}" type="datetimeFigureOut">
               <a:rPr lang="de-CH" smtClean="0"/>
-              <a:t>01.05.18</a:t>
+              <a:t>08.05.18</a:t>
             </a:fld>
             <a:endParaRPr lang="de-CH"/>
           </a:p>
@@ -1032,7 +1032,7 @@
           <a:p>
             <a:fld id="{20FD5246-4265-435A-B901-A38BFD400D8A}" type="datetimeFigureOut">
               <a:rPr lang="de-CH" smtClean="0"/>
-              <a:t>01.05.18</a:t>
+              <a:t>08.05.18</a:t>
             </a:fld>
             <a:endParaRPr lang="de-CH"/>
           </a:p>
@@ -1212,7 +1212,7 @@
           <a:p>
             <a:fld id="{20FD5246-4265-435A-B901-A38BFD400D8A}" type="datetimeFigureOut">
               <a:rPr lang="de-CH" smtClean="0"/>
-              <a:t>01.05.18</a:t>
+              <a:t>08.05.18</a:t>
             </a:fld>
             <a:endParaRPr lang="de-CH"/>
           </a:p>
@@ -1382,7 +1382,7 @@
           <a:p>
             <a:fld id="{20FD5246-4265-435A-B901-A38BFD400D8A}" type="datetimeFigureOut">
               <a:rPr lang="de-CH" smtClean="0"/>
-              <a:t>01.05.18</a:t>
+              <a:t>08.05.18</a:t>
             </a:fld>
             <a:endParaRPr lang="de-CH"/>
           </a:p>
@@ -1626,7 +1626,7 @@
           <a:p>
             <a:fld id="{20FD5246-4265-435A-B901-A38BFD400D8A}" type="datetimeFigureOut">
               <a:rPr lang="de-CH" smtClean="0"/>
-              <a:t>01.05.18</a:t>
+              <a:t>08.05.18</a:t>
             </a:fld>
             <a:endParaRPr lang="de-CH"/>
           </a:p>
@@ -1858,7 +1858,7 @@
           <a:p>
             <a:fld id="{20FD5246-4265-435A-B901-A38BFD400D8A}" type="datetimeFigureOut">
               <a:rPr lang="de-CH" smtClean="0"/>
-              <a:t>01.05.18</a:t>
+              <a:t>08.05.18</a:t>
             </a:fld>
             <a:endParaRPr lang="de-CH"/>
           </a:p>
@@ -2225,7 +2225,7 @@
           <a:p>
             <a:fld id="{20FD5246-4265-435A-B901-A38BFD400D8A}" type="datetimeFigureOut">
               <a:rPr lang="de-CH" smtClean="0"/>
-              <a:t>01.05.18</a:t>
+              <a:t>08.05.18</a:t>
             </a:fld>
             <a:endParaRPr lang="de-CH"/>
           </a:p>
@@ -2343,7 +2343,7 @@
           <a:p>
             <a:fld id="{20FD5246-4265-435A-B901-A38BFD400D8A}" type="datetimeFigureOut">
               <a:rPr lang="de-CH" smtClean="0"/>
-              <a:t>01.05.18</a:t>
+              <a:t>08.05.18</a:t>
             </a:fld>
             <a:endParaRPr lang="de-CH"/>
           </a:p>
@@ -2438,7 +2438,7 @@
           <a:p>
             <a:fld id="{20FD5246-4265-435A-B901-A38BFD400D8A}" type="datetimeFigureOut">
               <a:rPr lang="de-CH" smtClean="0"/>
-              <a:t>01.05.18</a:t>
+              <a:t>08.05.18</a:t>
             </a:fld>
             <a:endParaRPr lang="de-CH"/>
           </a:p>
@@ -2715,7 +2715,7 @@
           <a:p>
             <a:fld id="{20FD5246-4265-435A-B901-A38BFD400D8A}" type="datetimeFigureOut">
               <a:rPr lang="de-CH" smtClean="0"/>
-              <a:t>01.05.18</a:t>
+              <a:t>08.05.18</a:t>
             </a:fld>
             <a:endParaRPr lang="de-CH"/>
           </a:p>
@@ -2972,7 +2972,7 @@
           <a:p>
             <a:fld id="{20FD5246-4265-435A-B901-A38BFD400D8A}" type="datetimeFigureOut">
               <a:rPr lang="de-CH" smtClean="0"/>
-              <a:t>01.05.18</a:t>
+              <a:t>08.05.18</a:t>
             </a:fld>
             <a:endParaRPr lang="de-CH"/>
           </a:p>
@@ -3185,7 +3185,7 @@
           <a:p>
             <a:fld id="{20FD5246-4265-435A-B901-A38BFD400D8A}" type="datetimeFigureOut">
               <a:rPr lang="de-CH" smtClean="0"/>
-              <a:t>01.05.18</a:t>
+              <a:t>08.05.18</a:t>
             </a:fld>
             <a:endParaRPr lang="de-CH"/>
           </a:p>
